--- a/RessourcesAnnexes/Template.pptx
+++ b/RessourcesAnnexes/Template.pptx
@@ -8,6 +8,11 @@
     <p:sldId id="256" r:id="rId2"/>
     <p:sldId id="257" r:id="rId3"/>
     <p:sldId id="258" r:id="rId4"/>
+    <p:sldId id="259" r:id="rId5"/>
+    <p:sldId id="260" r:id="rId6"/>
+    <p:sldId id="261" r:id="rId7"/>
+    <p:sldId id="262" r:id="rId8"/>
+    <p:sldId id="263" r:id="rId9"/>
   </p:sldIdLst>
   <p:sldSz cx="12192000" cy="6858000"/>
   <p:notesSz cx="6858000" cy="9144000"/>
@@ -261,7 +266,7 @@
           <a:p>
             <a:fld id="{BF46AB85-D9A8-4AA5-8FEB-CE73C61DC0D1}" type="datetimeFigureOut">
               <a:rPr lang="fr-FR" smtClean="0"/>
-              <a:t>21/06/2023</a:t>
+              <a:t>30/06/2023</a:t>
             </a:fld>
             <a:endParaRPr lang="fr-FR"/>
           </a:p>
@@ -459,7 +464,7 @@
           <a:p>
             <a:fld id="{BF46AB85-D9A8-4AA5-8FEB-CE73C61DC0D1}" type="datetimeFigureOut">
               <a:rPr lang="fr-FR" smtClean="0"/>
-              <a:t>21/06/2023</a:t>
+              <a:t>30/06/2023</a:t>
             </a:fld>
             <a:endParaRPr lang="fr-FR"/>
           </a:p>
@@ -667,7 +672,7 @@
           <a:p>
             <a:fld id="{BF46AB85-D9A8-4AA5-8FEB-CE73C61DC0D1}" type="datetimeFigureOut">
               <a:rPr lang="fr-FR" smtClean="0"/>
-              <a:t>21/06/2023</a:t>
+              <a:t>30/06/2023</a:t>
             </a:fld>
             <a:endParaRPr lang="fr-FR"/>
           </a:p>
@@ -865,7 +870,7 @@
           <a:p>
             <a:fld id="{BF46AB85-D9A8-4AA5-8FEB-CE73C61DC0D1}" type="datetimeFigureOut">
               <a:rPr lang="fr-FR" smtClean="0"/>
-              <a:t>21/06/2023</a:t>
+              <a:t>30/06/2023</a:t>
             </a:fld>
             <a:endParaRPr lang="fr-FR"/>
           </a:p>
@@ -1140,7 +1145,7 @@
           <a:p>
             <a:fld id="{BF46AB85-D9A8-4AA5-8FEB-CE73C61DC0D1}" type="datetimeFigureOut">
               <a:rPr lang="fr-FR" smtClean="0"/>
-              <a:t>21/06/2023</a:t>
+              <a:t>30/06/2023</a:t>
             </a:fld>
             <a:endParaRPr lang="fr-FR"/>
           </a:p>
@@ -1405,7 +1410,7 @@
           <a:p>
             <a:fld id="{BF46AB85-D9A8-4AA5-8FEB-CE73C61DC0D1}" type="datetimeFigureOut">
               <a:rPr lang="fr-FR" smtClean="0"/>
-              <a:t>21/06/2023</a:t>
+              <a:t>30/06/2023</a:t>
             </a:fld>
             <a:endParaRPr lang="fr-FR"/>
           </a:p>
@@ -1817,7 +1822,7 @@
           <a:p>
             <a:fld id="{BF46AB85-D9A8-4AA5-8FEB-CE73C61DC0D1}" type="datetimeFigureOut">
               <a:rPr lang="fr-FR" smtClean="0"/>
-              <a:t>21/06/2023</a:t>
+              <a:t>30/06/2023</a:t>
             </a:fld>
             <a:endParaRPr lang="fr-FR"/>
           </a:p>
@@ -1958,7 +1963,7 @@
           <a:p>
             <a:fld id="{BF46AB85-D9A8-4AA5-8FEB-CE73C61DC0D1}" type="datetimeFigureOut">
               <a:rPr lang="fr-FR" smtClean="0"/>
-              <a:t>21/06/2023</a:t>
+              <a:t>30/06/2023</a:t>
             </a:fld>
             <a:endParaRPr lang="fr-FR"/>
           </a:p>
@@ -2071,7 +2076,7 @@
           <a:p>
             <a:fld id="{BF46AB85-D9A8-4AA5-8FEB-CE73C61DC0D1}" type="datetimeFigureOut">
               <a:rPr lang="fr-FR" smtClean="0"/>
-              <a:t>21/06/2023</a:t>
+              <a:t>30/06/2023</a:t>
             </a:fld>
             <a:endParaRPr lang="fr-FR"/>
           </a:p>
@@ -2382,7 +2387,7 @@
           <a:p>
             <a:fld id="{BF46AB85-D9A8-4AA5-8FEB-CE73C61DC0D1}" type="datetimeFigureOut">
               <a:rPr lang="fr-FR" smtClean="0"/>
-              <a:t>21/06/2023</a:t>
+              <a:t>30/06/2023</a:t>
             </a:fld>
             <a:endParaRPr lang="fr-FR"/>
           </a:p>
@@ -2670,7 +2675,7 @@
           <a:p>
             <a:fld id="{BF46AB85-D9A8-4AA5-8FEB-CE73C61DC0D1}" type="datetimeFigureOut">
               <a:rPr lang="fr-FR" smtClean="0"/>
-              <a:t>21/06/2023</a:t>
+              <a:t>30/06/2023</a:t>
             </a:fld>
             <a:endParaRPr lang="fr-FR"/>
           </a:p>
@@ -2911,7 +2916,7 @@
           <a:p>
             <a:fld id="{BF46AB85-D9A8-4AA5-8FEB-CE73C61DC0D1}" type="datetimeFigureOut">
               <a:rPr lang="fr-FR" smtClean="0"/>
-              <a:t>21/06/2023</a:t>
+              <a:t>30/06/2023</a:t>
             </a:fld>
             <a:endParaRPr lang="fr-FR"/>
           </a:p>
@@ -3846,6 +3851,1303 @@
 </p:sld>
 </file>
 
+<file path=ppt/slides/slide4.xml><?xml version="1.0" encoding="utf-8"?>
+<p:sld xmlns:a="http://schemas.openxmlformats.org/drawingml/2006/main" xmlns:r="http://schemas.openxmlformats.org/officeDocument/2006/relationships" xmlns:p="http://schemas.openxmlformats.org/presentationml/2006/main">
+  <p:cSld>
+    <p:bg>
+      <p:bgPr>
+        <a:solidFill>
+          <a:schemeClr val="tx1"/>
+        </a:solidFill>
+        <a:effectLst/>
+      </p:bgPr>
+    </p:bg>
+    <p:spTree>
+      <p:nvGrpSpPr>
+        <p:cNvPr id="1" name=""/>
+        <p:cNvGrpSpPr/>
+        <p:nvPr/>
+      </p:nvGrpSpPr>
+      <p:grpSpPr>
+        <a:xfrm>
+          <a:off x="0" y="0"/>
+          <a:ext cx="0" cy="0"/>
+          <a:chOff x="0" y="0"/>
+          <a:chExt cx="0" cy="0"/>
+        </a:xfrm>
+      </p:grpSpPr>
+      <p:sp>
+        <p:nvSpPr>
+          <p:cNvPr id="3" name="Titre 1">
+            <a:extLst>
+              <a:ext uri="{FF2B5EF4-FFF2-40B4-BE49-F238E27FC236}">
+                <a16:creationId xmlns:a16="http://schemas.microsoft.com/office/drawing/2014/main" id="{C9784510-8438-A3EF-0120-0665766A8DC3}"/>
+              </a:ext>
+            </a:extLst>
+          </p:cNvPr>
+          <p:cNvSpPr txBox="1">
+            <a:spLocks/>
+          </p:cNvSpPr>
+          <p:nvPr/>
+        </p:nvSpPr>
+        <p:spPr>
+          <a:xfrm>
+            <a:off x="3189514" y="394997"/>
+            <a:ext cx="5812971" cy="1312505"/>
+          </a:xfrm>
+          <a:prstGeom prst="rect">
+            <a:avLst/>
+          </a:prstGeom>
+        </p:spPr>
+        <p:txBody>
+          <a:bodyPr vert="horz" lIns="91440" tIns="45720" rIns="91440" bIns="45720" rtlCol="0" anchor="b">
+            <a:noAutofit/>
+          </a:bodyPr>
+          <a:lstStyle>
+            <a:lvl1pPr algn="ctr" defTabSz="914400" rtl="0" eaLnBrk="1" latinLnBrk="0" hangingPunct="1">
+              <a:lnSpc>
+                <a:spcPct val="90000"/>
+              </a:lnSpc>
+              <a:spcBef>
+                <a:spcPct val="0"/>
+              </a:spcBef>
+              <a:buNone/>
+              <a:defRPr sz="6000" kern="1200">
+                <a:solidFill>
+                  <a:schemeClr val="tx1"/>
+                </a:solidFill>
+                <a:latin typeface="+mj-lt"/>
+                <a:ea typeface="+mj-ea"/>
+                <a:cs typeface="+mj-cs"/>
+              </a:defRPr>
+            </a:lvl1pPr>
+          </a:lstStyle>
+          <a:p>
+            <a:r>
+              <a:rPr lang="fr-FR" sz="9600" dirty="0">
+                <a:solidFill>
+                  <a:schemeClr val="accent5"/>
+                </a:solidFill>
+                <a:latin typeface="HorseshoesAndLemonade" pitchFamily="50" charset="0"/>
+              </a:rPr>
+              <a:t>Burger</a:t>
+            </a:r>
+          </a:p>
+        </p:txBody>
+      </p:sp>
+      <p:sp>
+        <p:nvSpPr>
+          <p:cNvPr id="8" name="Titre 1">
+            <a:extLst>
+              <a:ext uri="{FF2B5EF4-FFF2-40B4-BE49-F238E27FC236}">
+                <a16:creationId xmlns:a16="http://schemas.microsoft.com/office/drawing/2014/main" id="{513E6320-9B92-79EB-0734-DE50188C3EF0}"/>
+              </a:ext>
+            </a:extLst>
+          </p:cNvPr>
+          <p:cNvSpPr txBox="1">
+            <a:spLocks/>
+          </p:cNvSpPr>
+          <p:nvPr/>
+        </p:nvSpPr>
+        <p:spPr>
+          <a:xfrm>
+            <a:off x="3189514" y="1779037"/>
+            <a:ext cx="5812971" cy="1556656"/>
+          </a:xfrm>
+          <a:prstGeom prst="rect">
+            <a:avLst/>
+          </a:prstGeom>
+        </p:spPr>
+        <p:txBody>
+          <a:bodyPr vert="horz" lIns="91440" tIns="45720" rIns="91440" bIns="45720" rtlCol="0" anchor="b">
+            <a:noAutofit/>
+          </a:bodyPr>
+          <a:lstStyle>
+            <a:lvl1pPr algn="ctr" defTabSz="914400" rtl="0" eaLnBrk="1" latinLnBrk="0" hangingPunct="1">
+              <a:lnSpc>
+                <a:spcPct val="90000"/>
+              </a:lnSpc>
+              <a:spcBef>
+                <a:spcPct val="0"/>
+              </a:spcBef>
+              <a:buNone/>
+              <a:defRPr sz="6000" kern="1200">
+                <a:solidFill>
+                  <a:schemeClr val="tx1"/>
+                </a:solidFill>
+                <a:latin typeface="+mj-lt"/>
+                <a:ea typeface="+mj-ea"/>
+                <a:cs typeface="+mj-cs"/>
+              </a:defRPr>
+            </a:lvl1pPr>
+          </a:lstStyle>
+          <a:p>
+            <a:r>
+              <a:rPr lang="fr-FR" sz="12000" dirty="0" err="1">
+                <a:solidFill>
+                  <a:srgbClr val="E60000"/>
+                </a:solidFill>
+                <a:latin typeface="HorseshoesAndLemonade" pitchFamily="50" charset="0"/>
+              </a:rPr>
+              <a:t>Q</a:t>
+            </a:r>
+            <a:r>
+              <a:rPr lang="fr-FR" sz="12000" dirty="0" err="1">
+                <a:solidFill>
+                  <a:srgbClr val="FFDE00"/>
+                </a:solidFill>
+                <a:latin typeface="HorseshoesAndLemonade" pitchFamily="50" charset="0"/>
+              </a:rPr>
+              <a:t>U</a:t>
+            </a:r>
+            <a:r>
+              <a:rPr lang="fr-FR" sz="12000" dirty="0" err="1">
+                <a:solidFill>
+                  <a:srgbClr val="E60000"/>
+                </a:solidFill>
+                <a:latin typeface="HorseshoesAndLemonade" pitchFamily="50" charset="0"/>
+              </a:rPr>
+              <a:t>I</a:t>
+            </a:r>
+            <a:r>
+              <a:rPr lang="fr-FR" sz="12000" dirty="0" err="1">
+                <a:solidFill>
+                  <a:srgbClr val="FFDE00"/>
+                </a:solidFill>
+                <a:latin typeface="HorseshoesAndLemonade" pitchFamily="50" charset="0"/>
+              </a:rPr>
+              <a:t>z</a:t>
+            </a:r>
+            <a:endParaRPr lang="fr-FR" sz="12000" dirty="0">
+              <a:solidFill>
+                <a:srgbClr val="FFDE00"/>
+              </a:solidFill>
+              <a:latin typeface="HorseshoesAndLemonade" pitchFamily="50" charset="0"/>
+            </a:endParaRPr>
+          </a:p>
+        </p:txBody>
+      </p:sp>
+      <p:pic>
+        <p:nvPicPr>
+          <p:cNvPr id="10" name="Image 9">
+            <a:extLst>
+              <a:ext uri="{FF2B5EF4-FFF2-40B4-BE49-F238E27FC236}">
+                <a16:creationId xmlns:a16="http://schemas.microsoft.com/office/drawing/2014/main" id="{180EB82C-71BF-C1F1-109F-45227E1C782C}"/>
+              </a:ext>
+            </a:extLst>
+          </p:cNvPr>
+          <p:cNvPicPr>
+            <a:picLocks noChangeAspect="1"/>
+          </p:cNvPicPr>
+          <p:nvPr/>
+        </p:nvPicPr>
+        <p:blipFill rotWithShape="1">
+          <a:blip r:embed="rId2">
+            <a:extLst>
+              <a:ext uri="{BEBA8EAE-BF5A-486C-A8C5-ECC9F3942E4B}">
+                <a14:imgProps xmlns:a14="http://schemas.microsoft.com/office/drawing/2010/main">
+                  <a14:imgLayer r:embed="rId3">
+                    <a14:imgEffect>
+                      <a14:backgroundRemoval t="61622" b="85560" l="27616" r="72923">
+                        <a14:foregroundMark x1="51456" y1="61699" x2="51456" y2="61699"/>
+                        <a14:foregroundMark x1="27616" y1="76216" x2="27616" y2="76216"/>
+                        <a14:foregroundMark x1="49515" y1="85637" x2="49515" y2="85637"/>
+                        <a14:foregroundMark x1="72923" y1="80618" x2="72923" y2="80618"/>
+                        <a14:foregroundMark x1="72816" y1="72587" x2="72816" y2="72587"/>
+                      </a14:backgroundRemoval>
+                    </a14:imgEffect>
+                  </a14:imgLayer>
+                </a14:imgProps>
+              </a:ext>
+              <a:ext uri="{28A0092B-C50C-407E-A947-70E740481C1C}">
+                <a14:useLocalDpi xmlns:a14="http://schemas.microsoft.com/office/drawing/2010/main" val="0"/>
+              </a:ext>
+            </a:extLst>
+          </a:blip>
+          <a:srcRect l="24278" t="58639" r="21743" b="11428"/>
+          <a:stretch/>
+        </p:blipFill>
+        <p:spPr>
+          <a:xfrm>
+            <a:off x="4343400" y="3557942"/>
+            <a:ext cx="3505200" cy="2715296"/>
+          </a:xfrm>
+          <a:prstGeom prst="rect">
+            <a:avLst/>
+          </a:prstGeom>
+        </p:spPr>
+      </p:pic>
+    </p:spTree>
+    <p:extLst>
+      <p:ext uri="{BB962C8B-B14F-4D97-AF65-F5344CB8AC3E}">
+        <p14:creationId xmlns:p14="http://schemas.microsoft.com/office/powerpoint/2010/main" val="1269586365"/>
+      </p:ext>
+    </p:extLst>
+  </p:cSld>
+  <p:clrMapOvr>
+    <a:masterClrMapping/>
+  </p:clrMapOvr>
+</p:sld>
+</file>
+
+<file path=ppt/slides/slide5.xml><?xml version="1.0" encoding="utf-8"?>
+<p:sld xmlns:a="http://schemas.openxmlformats.org/drawingml/2006/main" xmlns:r="http://schemas.openxmlformats.org/officeDocument/2006/relationships" xmlns:p="http://schemas.openxmlformats.org/presentationml/2006/main">
+  <p:cSld>
+    <p:bg>
+      <p:bgPr>
+        <a:solidFill>
+          <a:schemeClr val="tx1"/>
+        </a:solidFill>
+        <a:effectLst/>
+      </p:bgPr>
+    </p:bg>
+    <p:spTree>
+      <p:nvGrpSpPr>
+        <p:cNvPr id="1" name=""/>
+        <p:cNvGrpSpPr/>
+        <p:nvPr/>
+      </p:nvGrpSpPr>
+      <p:grpSpPr>
+        <a:xfrm>
+          <a:off x="0" y="0"/>
+          <a:ext cx="0" cy="0"/>
+          <a:chOff x="0" y="0"/>
+          <a:chExt cx="0" cy="0"/>
+        </a:xfrm>
+      </p:grpSpPr>
+      <p:sp>
+        <p:nvSpPr>
+          <p:cNvPr id="3" name="Titre 1">
+            <a:extLst>
+              <a:ext uri="{FF2B5EF4-FFF2-40B4-BE49-F238E27FC236}">
+                <a16:creationId xmlns:a16="http://schemas.microsoft.com/office/drawing/2014/main" id="{C9784510-8438-A3EF-0120-0665766A8DC3}"/>
+              </a:ext>
+            </a:extLst>
+          </p:cNvPr>
+          <p:cNvSpPr txBox="1">
+            <a:spLocks/>
+          </p:cNvSpPr>
+          <p:nvPr/>
+        </p:nvSpPr>
+        <p:spPr>
+          <a:xfrm>
+            <a:off x="3189514" y="394997"/>
+            <a:ext cx="5812971" cy="1312505"/>
+          </a:xfrm>
+          <a:prstGeom prst="rect">
+            <a:avLst/>
+          </a:prstGeom>
+        </p:spPr>
+        <p:txBody>
+          <a:bodyPr vert="horz" lIns="91440" tIns="45720" rIns="91440" bIns="45720" rtlCol="0" anchor="b">
+            <a:noAutofit/>
+          </a:bodyPr>
+          <a:lstStyle>
+            <a:lvl1pPr algn="ctr" defTabSz="914400" rtl="0" eaLnBrk="1" latinLnBrk="0" hangingPunct="1">
+              <a:lnSpc>
+                <a:spcPct val="90000"/>
+              </a:lnSpc>
+              <a:spcBef>
+                <a:spcPct val="0"/>
+              </a:spcBef>
+              <a:buNone/>
+              <a:defRPr sz="6000" kern="1200">
+                <a:solidFill>
+                  <a:schemeClr val="tx1"/>
+                </a:solidFill>
+                <a:latin typeface="+mj-lt"/>
+                <a:ea typeface="+mj-ea"/>
+                <a:cs typeface="+mj-cs"/>
+              </a:defRPr>
+            </a:lvl1pPr>
+          </a:lstStyle>
+          <a:p>
+            <a:r>
+              <a:rPr lang="fr-FR" sz="9600" dirty="0">
+                <a:solidFill>
+                  <a:schemeClr val="accent5"/>
+                </a:solidFill>
+                <a:latin typeface="HorseshoesAndLemonade" pitchFamily="50" charset="0"/>
+              </a:rPr>
+              <a:t>Burger</a:t>
+            </a:r>
+          </a:p>
+        </p:txBody>
+      </p:sp>
+      <p:sp>
+        <p:nvSpPr>
+          <p:cNvPr id="8" name="Titre 1">
+            <a:extLst>
+              <a:ext uri="{FF2B5EF4-FFF2-40B4-BE49-F238E27FC236}">
+                <a16:creationId xmlns:a16="http://schemas.microsoft.com/office/drawing/2014/main" id="{513E6320-9B92-79EB-0734-DE50188C3EF0}"/>
+              </a:ext>
+            </a:extLst>
+          </p:cNvPr>
+          <p:cNvSpPr txBox="1">
+            <a:spLocks/>
+          </p:cNvSpPr>
+          <p:nvPr/>
+        </p:nvSpPr>
+        <p:spPr>
+          <a:xfrm>
+            <a:off x="3189514" y="1779037"/>
+            <a:ext cx="5812971" cy="1556656"/>
+          </a:xfrm>
+          <a:prstGeom prst="rect">
+            <a:avLst/>
+          </a:prstGeom>
+        </p:spPr>
+        <p:txBody>
+          <a:bodyPr vert="horz" lIns="91440" tIns="45720" rIns="91440" bIns="45720" rtlCol="0" anchor="b">
+            <a:noAutofit/>
+          </a:bodyPr>
+          <a:lstStyle>
+            <a:lvl1pPr algn="ctr" defTabSz="914400" rtl="0" eaLnBrk="1" latinLnBrk="0" hangingPunct="1">
+              <a:lnSpc>
+                <a:spcPct val="90000"/>
+              </a:lnSpc>
+              <a:spcBef>
+                <a:spcPct val="0"/>
+              </a:spcBef>
+              <a:buNone/>
+              <a:defRPr sz="6000" kern="1200">
+                <a:solidFill>
+                  <a:schemeClr val="tx1"/>
+                </a:solidFill>
+                <a:latin typeface="+mj-lt"/>
+                <a:ea typeface="+mj-ea"/>
+                <a:cs typeface="+mj-cs"/>
+              </a:defRPr>
+            </a:lvl1pPr>
+          </a:lstStyle>
+          <a:p>
+            <a:r>
+              <a:rPr lang="fr-FR" sz="12000" dirty="0" err="1">
+                <a:solidFill>
+                  <a:srgbClr val="E60000"/>
+                </a:solidFill>
+                <a:latin typeface="HorseshoesAndLemonade" pitchFamily="50" charset="0"/>
+              </a:rPr>
+              <a:t>Q</a:t>
+            </a:r>
+            <a:r>
+              <a:rPr lang="fr-FR" sz="12000" dirty="0" err="1">
+                <a:solidFill>
+                  <a:srgbClr val="FFDE00"/>
+                </a:solidFill>
+                <a:latin typeface="HorseshoesAndLemonade" pitchFamily="50" charset="0"/>
+              </a:rPr>
+              <a:t>U</a:t>
+            </a:r>
+            <a:r>
+              <a:rPr lang="fr-FR" sz="12000" dirty="0" err="1">
+                <a:solidFill>
+                  <a:srgbClr val="E60000"/>
+                </a:solidFill>
+                <a:latin typeface="HorseshoesAndLemonade" pitchFamily="50" charset="0"/>
+              </a:rPr>
+              <a:t>I</a:t>
+            </a:r>
+            <a:r>
+              <a:rPr lang="fr-FR" sz="12000" dirty="0" err="1">
+                <a:solidFill>
+                  <a:srgbClr val="FFDE00"/>
+                </a:solidFill>
+                <a:latin typeface="HorseshoesAndLemonade" pitchFamily="50" charset="0"/>
+              </a:rPr>
+              <a:t>z</a:t>
+            </a:r>
+            <a:endParaRPr lang="fr-FR" sz="12000" dirty="0">
+              <a:solidFill>
+                <a:srgbClr val="FFDE00"/>
+              </a:solidFill>
+              <a:latin typeface="HorseshoesAndLemonade" pitchFamily="50" charset="0"/>
+            </a:endParaRPr>
+          </a:p>
+        </p:txBody>
+      </p:sp>
+      <p:pic>
+        <p:nvPicPr>
+          <p:cNvPr id="10" name="Image 9">
+            <a:extLst>
+              <a:ext uri="{FF2B5EF4-FFF2-40B4-BE49-F238E27FC236}">
+                <a16:creationId xmlns:a16="http://schemas.microsoft.com/office/drawing/2014/main" id="{180EB82C-71BF-C1F1-109F-45227E1C782C}"/>
+              </a:ext>
+            </a:extLst>
+          </p:cNvPr>
+          <p:cNvPicPr>
+            <a:picLocks noChangeAspect="1"/>
+          </p:cNvPicPr>
+          <p:nvPr/>
+        </p:nvPicPr>
+        <p:blipFill rotWithShape="1">
+          <a:blip r:embed="rId2">
+            <a:extLst>
+              <a:ext uri="{BEBA8EAE-BF5A-486C-A8C5-ECC9F3942E4B}">
+                <a14:imgProps xmlns:a14="http://schemas.microsoft.com/office/drawing/2010/main">
+                  <a14:imgLayer r:embed="rId3">
+                    <a14:imgEffect>
+                      <a14:backgroundRemoval t="61622" b="85560" l="27616" r="72923">
+                        <a14:foregroundMark x1="51456" y1="61699" x2="51456" y2="61699"/>
+                        <a14:foregroundMark x1="27616" y1="76216" x2="27616" y2="76216"/>
+                        <a14:foregroundMark x1="49515" y1="85637" x2="49515" y2="85637"/>
+                        <a14:foregroundMark x1="72923" y1="80618" x2="72923" y2="80618"/>
+                        <a14:foregroundMark x1="72816" y1="72587" x2="72816" y2="72587"/>
+                      </a14:backgroundRemoval>
+                    </a14:imgEffect>
+                  </a14:imgLayer>
+                </a14:imgProps>
+              </a:ext>
+              <a:ext uri="{28A0092B-C50C-407E-A947-70E740481C1C}">
+                <a14:useLocalDpi xmlns:a14="http://schemas.microsoft.com/office/drawing/2010/main" val="0"/>
+              </a:ext>
+            </a:extLst>
+          </a:blip>
+          <a:srcRect l="24278" t="58639" r="21743" b="11428"/>
+          <a:stretch/>
+        </p:blipFill>
+        <p:spPr>
+          <a:xfrm>
+            <a:off x="8374223" y="421389"/>
+            <a:ext cx="3505200" cy="2715296"/>
+          </a:xfrm>
+          <a:prstGeom prst="rect">
+            <a:avLst/>
+          </a:prstGeom>
+        </p:spPr>
+      </p:pic>
+    </p:spTree>
+    <p:extLst>
+      <p:ext uri="{BB962C8B-B14F-4D97-AF65-F5344CB8AC3E}">
+        <p14:creationId xmlns:p14="http://schemas.microsoft.com/office/powerpoint/2010/main" val="1140396217"/>
+      </p:ext>
+    </p:extLst>
+  </p:cSld>
+  <p:clrMapOvr>
+    <a:masterClrMapping/>
+  </p:clrMapOvr>
+</p:sld>
+</file>
+
+<file path=ppt/slides/slide6.xml><?xml version="1.0" encoding="utf-8"?>
+<p:sld xmlns:a="http://schemas.openxmlformats.org/drawingml/2006/main" xmlns:r="http://schemas.openxmlformats.org/officeDocument/2006/relationships" xmlns:p="http://schemas.openxmlformats.org/presentationml/2006/main">
+  <p:cSld>
+    <p:bg>
+      <p:bgPr>
+        <a:solidFill>
+          <a:schemeClr val="tx1"/>
+        </a:solidFill>
+        <a:effectLst/>
+      </p:bgPr>
+    </p:bg>
+    <p:spTree>
+      <p:nvGrpSpPr>
+        <p:cNvPr id="1" name=""/>
+        <p:cNvGrpSpPr/>
+        <p:nvPr/>
+      </p:nvGrpSpPr>
+      <p:grpSpPr>
+        <a:xfrm>
+          <a:off x="0" y="0"/>
+          <a:ext cx="0" cy="0"/>
+          <a:chOff x="0" y="0"/>
+          <a:chExt cx="0" cy="0"/>
+        </a:xfrm>
+      </p:grpSpPr>
+      <p:sp>
+        <p:nvSpPr>
+          <p:cNvPr id="2" name="Rectangle 1">
+            <a:extLst>
+              <a:ext uri="{FF2B5EF4-FFF2-40B4-BE49-F238E27FC236}">
+                <a16:creationId xmlns:a16="http://schemas.microsoft.com/office/drawing/2014/main" id="{A9462568-4B98-C0DB-E131-B566532494EB}"/>
+              </a:ext>
+            </a:extLst>
+          </p:cNvPr>
+          <p:cNvSpPr/>
+          <p:nvPr/>
+        </p:nvSpPr>
+        <p:spPr>
+          <a:xfrm>
+            <a:off x="606490" y="839755"/>
+            <a:ext cx="3564294" cy="2589245"/>
+          </a:xfrm>
+          <a:prstGeom prst="rect">
+            <a:avLst/>
+          </a:prstGeom>
+        </p:spPr>
+        <p:style>
+          <a:lnRef idx="2">
+            <a:schemeClr val="accent1">
+              <a:shade val="15000"/>
+            </a:schemeClr>
+          </a:lnRef>
+          <a:fillRef idx="1">
+            <a:schemeClr val="accent1"/>
+          </a:fillRef>
+          <a:effectRef idx="0">
+            <a:schemeClr val="accent1"/>
+          </a:effectRef>
+          <a:fontRef idx="minor">
+            <a:schemeClr val="lt1"/>
+          </a:fontRef>
+        </p:style>
+        <p:txBody>
+          <a:bodyPr rtlCol="0" anchor="ctr"/>
+          <a:lstStyle/>
+          <a:p>
+            <a:pPr algn="ctr"/>
+            <a:endParaRPr lang="fr-FR"/>
+          </a:p>
+        </p:txBody>
+      </p:sp>
+      <p:sp>
+        <p:nvSpPr>
+          <p:cNvPr id="3" name="Titre 1">
+            <a:extLst>
+              <a:ext uri="{FF2B5EF4-FFF2-40B4-BE49-F238E27FC236}">
+                <a16:creationId xmlns:a16="http://schemas.microsoft.com/office/drawing/2014/main" id="{C9784510-8438-A3EF-0120-0665766A8DC3}"/>
+              </a:ext>
+            </a:extLst>
+          </p:cNvPr>
+          <p:cNvSpPr txBox="1">
+            <a:spLocks/>
+          </p:cNvSpPr>
+          <p:nvPr/>
+        </p:nvSpPr>
+        <p:spPr>
+          <a:xfrm>
+            <a:off x="-318797" y="839755"/>
+            <a:ext cx="5812971" cy="1312505"/>
+          </a:xfrm>
+          <a:prstGeom prst="rect">
+            <a:avLst/>
+          </a:prstGeom>
+        </p:spPr>
+        <p:txBody>
+          <a:bodyPr vert="horz" lIns="91440" tIns="45720" rIns="91440" bIns="45720" rtlCol="0" anchor="b">
+            <a:noAutofit/>
+          </a:bodyPr>
+          <a:lstStyle>
+            <a:lvl1pPr algn="ctr" defTabSz="914400" rtl="0" eaLnBrk="1" latinLnBrk="0" hangingPunct="1">
+              <a:lnSpc>
+                <a:spcPct val="90000"/>
+              </a:lnSpc>
+              <a:spcBef>
+                <a:spcPct val="0"/>
+              </a:spcBef>
+              <a:buNone/>
+              <a:defRPr sz="6000" kern="1200">
+                <a:solidFill>
+                  <a:schemeClr val="tx1"/>
+                </a:solidFill>
+                <a:latin typeface="+mj-lt"/>
+                <a:ea typeface="+mj-ea"/>
+                <a:cs typeface="+mj-cs"/>
+              </a:defRPr>
+            </a:lvl1pPr>
+          </a:lstStyle>
+          <a:p>
+            <a:r>
+              <a:rPr lang="fr-FR" sz="9600" dirty="0">
+                <a:solidFill>
+                  <a:srgbClr val="403CAC"/>
+                </a:solidFill>
+                <a:latin typeface="HorseshoesAndLemonade" pitchFamily="50" charset="0"/>
+              </a:rPr>
+              <a:t>Burger</a:t>
+            </a:r>
+          </a:p>
+        </p:txBody>
+      </p:sp>
+      <p:sp>
+        <p:nvSpPr>
+          <p:cNvPr id="8" name="Titre 1">
+            <a:extLst>
+              <a:ext uri="{FF2B5EF4-FFF2-40B4-BE49-F238E27FC236}">
+                <a16:creationId xmlns:a16="http://schemas.microsoft.com/office/drawing/2014/main" id="{513E6320-9B92-79EB-0734-DE50188C3EF0}"/>
+              </a:ext>
+            </a:extLst>
+          </p:cNvPr>
+          <p:cNvSpPr txBox="1">
+            <a:spLocks/>
+          </p:cNvSpPr>
+          <p:nvPr/>
+        </p:nvSpPr>
+        <p:spPr>
+          <a:xfrm>
+            <a:off x="3189514" y="1779037"/>
+            <a:ext cx="5812971" cy="1556656"/>
+          </a:xfrm>
+          <a:prstGeom prst="rect">
+            <a:avLst/>
+          </a:prstGeom>
+        </p:spPr>
+        <p:txBody>
+          <a:bodyPr vert="horz" lIns="91440" tIns="45720" rIns="91440" bIns="45720" rtlCol="0" anchor="b">
+            <a:noAutofit/>
+          </a:bodyPr>
+          <a:lstStyle>
+            <a:lvl1pPr algn="ctr" defTabSz="914400" rtl="0" eaLnBrk="1" latinLnBrk="0" hangingPunct="1">
+              <a:lnSpc>
+                <a:spcPct val="90000"/>
+              </a:lnSpc>
+              <a:spcBef>
+                <a:spcPct val="0"/>
+              </a:spcBef>
+              <a:buNone/>
+              <a:defRPr sz="6000" kern="1200">
+                <a:solidFill>
+                  <a:schemeClr val="tx1"/>
+                </a:solidFill>
+                <a:latin typeface="+mj-lt"/>
+                <a:ea typeface="+mj-ea"/>
+                <a:cs typeface="+mj-cs"/>
+              </a:defRPr>
+            </a:lvl1pPr>
+          </a:lstStyle>
+          <a:p>
+            <a:r>
+              <a:rPr lang="fr-FR" sz="12000" dirty="0" err="1">
+                <a:solidFill>
+                  <a:srgbClr val="E60000"/>
+                </a:solidFill>
+                <a:latin typeface="HorseshoesAndLemonade" pitchFamily="50" charset="0"/>
+              </a:rPr>
+              <a:t>Q</a:t>
+            </a:r>
+            <a:r>
+              <a:rPr lang="fr-FR" sz="12000" dirty="0" err="1">
+                <a:solidFill>
+                  <a:srgbClr val="FFDE00"/>
+                </a:solidFill>
+                <a:latin typeface="HorseshoesAndLemonade" pitchFamily="50" charset="0"/>
+              </a:rPr>
+              <a:t>U</a:t>
+            </a:r>
+            <a:r>
+              <a:rPr lang="fr-FR" sz="12000" dirty="0" err="1">
+                <a:solidFill>
+                  <a:srgbClr val="E60000"/>
+                </a:solidFill>
+                <a:latin typeface="HorseshoesAndLemonade" pitchFamily="50" charset="0"/>
+              </a:rPr>
+              <a:t>I</a:t>
+            </a:r>
+            <a:r>
+              <a:rPr lang="fr-FR" sz="12000" dirty="0" err="1">
+                <a:solidFill>
+                  <a:srgbClr val="FFDE00"/>
+                </a:solidFill>
+                <a:latin typeface="HorseshoesAndLemonade" pitchFamily="50" charset="0"/>
+              </a:rPr>
+              <a:t>z</a:t>
+            </a:r>
+            <a:endParaRPr lang="fr-FR" sz="12000" dirty="0">
+              <a:solidFill>
+                <a:srgbClr val="FFDE00"/>
+              </a:solidFill>
+              <a:latin typeface="HorseshoesAndLemonade" pitchFamily="50" charset="0"/>
+            </a:endParaRPr>
+          </a:p>
+        </p:txBody>
+      </p:sp>
+    </p:spTree>
+    <p:extLst>
+      <p:ext uri="{BB962C8B-B14F-4D97-AF65-F5344CB8AC3E}">
+        <p14:creationId xmlns:p14="http://schemas.microsoft.com/office/powerpoint/2010/main" val="1207621032"/>
+      </p:ext>
+    </p:extLst>
+  </p:cSld>
+  <p:clrMapOvr>
+    <a:masterClrMapping/>
+  </p:clrMapOvr>
+</p:sld>
+</file>
+
+<file path=ppt/slides/slide7.xml><?xml version="1.0" encoding="utf-8"?>
+<p:sld xmlns:a="http://schemas.openxmlformats.org/drawingml/2006/main" xmlns:r="http://schemas.openxmlformats.org/officeDocument/2006/relationships" xmlns:p="http://schemas.openxmlformats.org/presentationml/2006/main">
+  <p:cSld>
+    <p:bg>
+      <p:bgPr>
+        <a:solidFill>
+          <a:schemeClr val="tx1"/>
+        </a:solidFill>
+        <a:effectLst/>
+      </p:bgPr>
+    </p:bg>
+    <p:spTree>
+      <p:nvGrpSpPr>
+        <p:cNvPr id="1" name=""/>
+        <p:cNvGrpSpPr/>
+        <p:nvPr/>
+      </p:nvGrpSpPr>
+      <p:grpSpPr>
+        <a:xfrm>
+          <a:off x="0" y="0"/>
+          <a:ext cx="0" cy="0"/>
+          <a:chOff x="0" y="0"/>
+          <a:chExt cx="0" cy="0"/>
+        </a:xfrm>
+      </p:grpSpPr>
+      <p:sp>
+        <p:nvSpPr>
+          <p:cNvPr id="3" name="Titre 1">
+            <a:extLst>
+              <a:ext uri="{FF2B5EF4-FFF2-40B4-BE49-F238E27FC236}">
+                <a16:creationId xmlns:a16="http://schemas.microsoft.com/office/drawing/2014/main" id="{C9784510-8438-A3EF-0120-0665766A8DC3}"/>
+              </a:ext>
+            </a:extLst>
+          </p:cNvPr>
+          <p:cNvSpPr txBox="1">
+            <a:spLocks/>
+          </p:cNvSpPr>
+          <p:nvPr/>
+        </p:nvSpPr>
+        <p:spPr>
+          <a:xfrm>
+            <a:off x="3189514" y="394997"/>
+            <a:ext cx="5812971" cy="1312505"/>
+          </a:xfrm>
+          <a:prstGeom prst="rect">
+            <a:avLst/>
+          </a:prstGeom>
+        </p:spPr>
+        <p:txBody>
+          <a:bodyPr vert="horz" lIns="91440" tIns="45720" rIns="91440" bIns="45720" rtlCol="0" anchor="b">
+            <a:noAutofit/>
+          </a:bodyPr>
+          <a:lstStyle>
+            <a:lvl1pPr algn="ctr" defTabSz="914400" rtl="0" eaLnBrk="1" latinLnBrk="0" hangingPunct="1">
+              <a:lnSpc>
+                <a:spcPct val="90000"/>
+              </a:lnSpc>
+              <a:spcBef>
+                <a:spcPct val="0"/>
+              </a:spcBef>
+              <a:buNone/>
+              <a:defRPr sz="6000" kern="1200">
+                <a:solidFill>
+                  <a:schemeClr val="tx1"/>
+                </a:solidFill>
+                <a:latin typeface="+mj-lt"/>
+                <a:ea typeface="+mj-ea"/>
+                <a:cs typeface="+mj-cs"/>
+              </a:defRPr>
+            </a:lvl1pPr>
+          </a:lstStyle>
+          <a:p>
+            <a:r>
+              <a:rPr lang="fr-FR" sz="9600" dirty="0">
+                <a:solidFill>
+                  <a:schemeClr val="accent5"/>
+                </a:solidFill>
+                <a:latin typeface="HorseshoesAndLemonade" pitchFamily="50" charset="0"/>
+              </a:rPr>
+              <a:t>Nuggets</a:t>
+            </a:r>
+          </a:p>
+        </p:txBody>
+      </p:sp>
+      <p:sp>
+        <p:nvSpPr>
+          <p:cNvPr id="2" name="Titre 1">
+            <a:extLst>
+              <a:ext uri="{FF2B5EF4-FFF2-40B4-BE49-F238E27FC236}">
+                <a16:creationId xmlns:a16="http://schemas.microsoft.com/office/drawing/2014/main" id="{C8FCA8DD-B2CC-EC92-7FC7-87643BCE31F1}"/>
+              </a:ext>
+            </a:extLst>
+          </p:cNvPr>
+          <p:cNvSpPr txBox="1">
+            <a:spLocks/>
+          </p:cNvSpPr>
+          <p:nvPr/>
+        </p:nvSpPr>
+        <p:spPr>
+          <a:xfrm>
+            <a:off x="430764" y="1891005"/>
+            <a:ext cx="3590732" cy="1312505"/>
+          </a:xfrm>
+          <a:prstGeom prst="rect">
+            <a:avLst/>
+          </a:prstGeom>
+        </p:spPr>
+        <p:txBody>
+          <a:bodyPr vert="horz" lIns="91440" tIns="45720" rIns="91440" bIns="45720" rtlCol="0" anchor="b">
+            <a:noAutofit/>
+          </a:bodyPr>
+          <a:lstStyle>
+            <a:lvl1pPr algn="ctr" defTabSz="914400" rtl="0" eaLnBrk="1" latinLnBrk="0" hangingPunct="1">
+              <a:lnSpc>
+                <a:spcPct val="90000"/>
+              </a:lnSpc>
+              <a:spcBef>
+                <a:spcPct val="0"/>
+              </a:spcBef>
+              <a:buNone/>
+              <a:defRPr sz="6000" kern="1200">
+                <a:solidFill>
+                  <a:schemeClr val="tx1"/>
+                </a:solidFill>
+                <a:latin typeface="+mj-lt"/>
+                <a:ea typeface="+mj-ea"/>
+                <a:cs typeface="+mj-cs"/>
+              </a:defRPr>
+            </a:lvl1pPr>
+          </a:lstStyle>
+          <a:p>
+            <a:r>
+              <a:rPr lang="fr-FR" sz="9600" dirty="0">
+                <a:solidFill>
+                  <a:schemeClr val="accent5"/>
+                </a:solidFill>
+                <a:latin typeface="HorseshoesAndLemonade" pitchFamily="50" charset="0"/>
+              </a:rPr>
+              <a:t>Sel</a:t>
+            </a:r>
+          </a:p>
+        </p:txBody>
+      </p:sp>
+      <p:sp>
+        <p:nvSpPr>
+          <p:cNvPr id="4" name="Titre 1">
+            <a:extLst>
+              <a:ext uri="{FF2B5EF4-FFF2-40B4-BE49-F238E27FC236}">
+                <a16:creationId xmlns:a16="http://schemas.microsoft.com/office/drawing/2014/main" id="{34413126-6E82-2878-74E9-3B3D9C13B6E6}"/>
+              </a:ext>
+            </a:extLst>
+          </p:cNvPr>
+          <p:cNvSpPr txBox="1">
+            <a:spLocks/>
+          </p:cNvSpPr>
+          <p:nvPr/>
+        </p:nvSpPr>
+        <p:spPr>
+          <a:xfrm>
+            <a:off x="5327780" y="1891005"/>
+            <a:ext cx="4994990" cy="1312505"/>
+          </a:xfrm>
+          <a:prstGeom prst="rect">
+            <a:avLst/>
+          </a:prstGeom>
+        </p:spPr>
+        <p:txBody>
+          <a:bodyPr vert="horz" lIns="91440" tIns="45720" rIns="91440" bIns="45720" rtlCol="0" anchor="b">
+            <a:noAutofit/>
+          </a:bodyPr>
+          <a:lstStyle>
+            <a:lvl1pPr algn="ctr" defTabSz="914400" rtl="0" eaLnBrk="1" latinLnBrk="0" hangingPunct="1">
+              <a:lnSpc>
+                <a:spcPct val="90000"/>
+              </a:lnSpc>
+              <a:spcBef>
+                <a:spcPct val="0"/>
+              </a:spcBef>
+              <a:buNone/>
+              <a:defRPr sz="6000" kern="1200">
+                <a:solidFill>
+                  <a:schemeClr val="tx1"/>
+                </a:solidFill>
+                <a:latin typeface="+mj-lt"/>
+                <a:ea typeface="+mj-ea"/>
+                <a:cs typeface="+mj-cs"/>
+              </a:defRPr>
+            </a:lvl1pPr>
+          </a:lstStyle>
+          <a:p>
+            <a:r>
+              <a:rPr lang="fr-FR" sz="9600" dirty="0">
+                <a:solidFill>
+                  <a:schemeClr val="accent5"/>
+                </a:solidFill>
+                <a:latin typeface="HorseshoesAndLemonade" pitchFamily="50" charset="0"/>
+              </a:rPr>
+              <a:t>Poivre</a:t>
+            </a:r>
+          </a:p>
+        </p:txBody>
+      </p:sp>
+      <p:sp>
+        <p:nvSpPr>
+          <p:cNvPr id="5" name="Titre 1">
+            <a:extLst>
+              <a:ext uri="{FF2B5EF4-FFF2-40B4-BE49-F238E27FC236}">
+                <a16:creationId xmlns:a16="http://schemas.microsoft.com/office/drawing/2014/main" id="{99DDDFB7-A8C5-3249-DD4A-224508BD4E79}"/>
+              </a:ext>
+            </a:extLst>
+          </p:cNvPr>
+          <p:cNvSpPr txBox="1">
+            <a:spLocks/>
+          </p:cNvSpPr>
+          <p:nvPr/>
+        </p:nvSpPr>
+        <p:spPr>
+          <a:xfrm>
+            <a:off x="3189514" y="2060509"/>
+            <a:ext cx="2548813" cy="973493"/>
+          </a:xfrm>
+          <a:prstGeom prst="rect">
+            <a:avLst/>
+          </a:prstGeom>
+        </p:spPr>
+        <p:txBody>
+          <a:bodyPr vert="horz" lIns="91440" tIns="45720" rIns="91440" bIns="45720" rtlCol="0" anchor="b">
+            <a:noAutofit/>
+          </a:bodyPr>
+          <a:lstStyle>
+            <a:lvl1pPr algn="ctr" defTabSz="914400" rtl="0" eaLnBrk="1" latinLnBrk="0" hangingPunct="1">
+              <a:lnSpc>
+                <a:spcPct val="90000"/>
+              </a:lnSpc>
+              <a:spcBef>
+                <a:spcPct val="0"/>
+              </a:spcBef>
+              <a:buNone/>
+              <a:defRPr sz="6000" kern="1200">
+                <a:solidFill>
+                  <a:schemeClr val="tx1"/>
+                </a:solidFill>
+                <a:latin typeface="+mj-lt"/>
+                <a:ea typeface="+mj-ea"/>
+                <a:cs typeface="+mj-cs"/>
+              </a:defRPr>
+            </a:lvl1pPr>
+          </a:lstStyle>
+          <a:p>
+            <a:r>
+              <a:rPr lang="fr-FR" sz="7200" dirty="0">
+                <a:solidFill>
+                  <a:schemeClr val="accent5"/>
+                </a:solidFill>
+                <a:latin typeface="HorseshoesAndLemonade" pitchFamily="50" charset="0"/>
+              </a:rPr>
+              <a:t>OU</a:t>
+            </a:r>
+          </a:p>
+        </p:txBody>
+      </p:sp>
+      <p:sp>
+        <p:nvSpPr>
+          <p:cNvPr id="6" name="Titre 1">
+            <a:extLst>
+              <a:ext uri="{FF2B5EF4-FFF2-40B4-BE49-F238E27FC236}">
+                <a16:creationId xmlns:a16="http://schemas.microsoft.com/office/drawing/2014/main" id="{E24F6FC8-9013-9C5C-5558-F3EEF636663F}"/>
+              </a:ext>
+            </a:extLst>
+          </p:cNvPr>
+          <p:cNvSpPr txBox="1">
+            <a:spLocks/>
+          </p:cNvSpPr>
+          <p:nvPr/>
+        </p:nvSpPr>
+        <p:spPr>
+          <a:xfrm>
+            <a:off x="3189513" y="3373014"/>
+            <a:ext cx="5812971" cy="1312505"/>
+          </a:xfrm>
+          <a:prstGeom prst="rect">
+            <a:avLst/>
+          </a:prstGeom>
+        </p:spPr>
+        <p:txBody>
+          <a:bodyPr vert="horz" lIns="91440" tIns="45720" rIns="91440" bIns="45720" rtlCol="0" anchor="b">
+            <a:noAutofit/>
+          </a:bodyPr>
+          <a:lstStyle>
+            <a:lvl1pPr algn="ctr" defTabSz="914400" rtl="0" eaLnBrk="1" latinLnBrk="0" hangingPunct="1">
+              <a:lnSpc>
+                <a:spcPct val="90000"/>
+              </a:lnSpc>
+              <a:spcBef>
+                <a:spcPct val="0"/>
+              </a:spcBef>
+              <a:buNone/>
+              <a:defRPr sz="6000" kern="1200">
+                <a:solidFill>
+                  <a:schemeClr val="tx1"/>
+                </a:solidFill>
+                <a:latin typeface="+mj-lt"/>
+                <a:ea typeface="+mj-ea"/>
+                <a:cs typeface="+mj-cs"/>
+              </a:defRPr>
+            </a:lvl1pPr>
+          </a:lstStyle>
+          <a:p>
+            <a:r>
+              <a:rPr lang="fr-FR" sz="9600" dirty="0">
+                <a:solidFill>
+                  <a:schemeClr val="accent5"/>
+                </a:solidFill>
+                <a:latin typeface="HorseshoesAndLemonade" pitchFamily="50" charset="0"/>
+              </a:rPr>
+              <a:t>Menus</a:t>
+            </a:r>
+          </a:p>
+        </p:txBody>
+      </p:sp>
+      <p:sp>
+        <p:nvSpPr>
+          <p:cNvPr id="7" name="Titre 1">
+            <a:extLst>
+              <a:ext uri="{FF2B5EF4-FFF2-40B4-BE49-F238E27FC236}">
+                <a16:creationId xmlns:a16="http://schemas.microsoft.com/office/drawing/2014/main" id="{B7FEDCB3-A986-F331-DDEA-B1722150A14B}"/>
+              </a:ext>
+            </a:extLst>
+          </p:cNvPr>
+          <p:cNvSpPr txBox="1">
+            <a:spLocks/>
+          </p:cNvSpPr>
+          <p:nvPr/>
+        </p:nvSpPr>
+        <p:spPr>
+          <a:xfrm>
+            <a:off x="3189512" y="5150498"/>
+            <a:ext cx="5812971" cy="1312505"/>
+          </a:xfrm>
+          <a:prstGeom prst="rect">
+            <a:avLst/>
+          </a:prstGeom>
+        </p:spPr>
+        <p:txBody>
+          <a:bodyPr vert="horz" lIns="91440" tIns="45720" rIns="91440" bIns="45720" rtlCol="0" anchor="b">
+            <a:noAutofit/>
+          </a:bodyPr>
+          <a:lstStyle>
+            <a:lvl1pPr algn="ctr" defTabSz="914400" rtl="0" eaLnBrk="1" latinLnBrk="0" hangingPunct="1">
+              <a:lnSpc>
+                <a:spcPct val="90000"/>
+              </a:lnSpc>
+              <a:spcBef>
+                <a:spcPct val="0"/>
+              </a:spcBef>
+              <a:buNone/>
+              <a:defRPr sz="6000" kern="1200">
+                <a:solidFill>
+                  <a:schemeClr val="tx1"/>
+                </a:solidFill>
+                <a:latin typeface="+mj-lt"/>
+                <a:ea typeface="+mj-ea"/>
+                <a:cs typeface="+mj-cs"/>
+              </a:defRPr>
+            </a:lvl1pPr>
+          </a:lstStyle>
+          <a:p>
+            <a:r>
+              <a:rPr lang="fr-FR" sz="9600" dirty="0">
+                <a:solidFill>
+                  <a:schemeClr val="accent5"/>
+                </a:solidFill>
+                <a:latin typeface="HorseshoesAndLemonade" pitchFamily="50" charset="0"/>
+              </a:rPr>
+              <a:t>Addition</a:t>
+            </a:r>
+          </a:p>
+        </p:txBody>
+      </p:sp>
+    </p:spTree>
+    <p:extLst>
+      <p:ext uri="{BB962C8B-B14F-4D97-AF65-F5344CB8AC3E}">
+        <p14:creationId xmlns:p14="http://schemas.microsoft.com/office/powerpoint/2010/main" val="3801224040"/>
+      </p:ext>
+    </p:extLst>
+  </p:cSld>
+  <p:clrMapOvr>
+    <a:masterClrMapping/>
+  </p:clrMapOvr>
+</p:sld>
+</file>
+
+<file path=ppt/slides/slide8.xml><?xml version="1.0" encoding="utf-8"?>
+<p:sld xmlns:a="http://schemas.openxmlformats.org/drawingml/2006/main" xmlns:r="http://schemas.openxmlformats.org/officeDocument/2006/relationships" xmlns:p="http://schemas.openxmlformats.org/presentationml/2006/main">
+  <p:cSld>
+    <p:bg>
+      <p:bgPr>
+        <a:solidFill>
+          <a:schemeClr val="tx1"/>
+        </a:solidFill>
+        <a:effectLst/>
+      </p:bgPr>
+    </p:bg>
+    <p:spTree>
+      <p:nvGrpSpPr>
+        <p:cNvPr id="1" name=""/>
+        <p:cNvGrpSpPr/>
+        <p:nvPr/>
+      </p:nvGrpSpPr>
+      <p:grpSpPr>
+        <a:xfrm>
+          <a:off x="0" y="0"/>
+          <a:ext cx="0" cy="0"/>
+          <a:chOff x="0" y="0"/>
+          <a:chExt cx="0" cy="0"/>
+        </a:xfrm>
+      </p:grpSpPr>
+      <p:sp>
+        <p:nvSpPr>
+          <p:cNvPr id="3" name="Titre 1">
+            <a:extLst>
+              <a:ext uri="{FF2B5EF4-FFF2-40B4-BE49-F238E27FC236}">
+                <a16:creationId xmlns:a16="http://schemas.microsoft.com/office/drawing/2014/main" id="{C9784510-8438-A3EF-0120-0665766A8DC3}"/>
+              </a:ext>
+            </a:extLst>
+          </p:cNvPr>
+          <p:cNvSpPr txBox="1">
+            <a:spLocks/>
+          </p:cNvSpPr>
+          <p:nvPr/>
+        </p:nvSpPr>
+        <p:spPr>
+          <a:xfrm>
+            <a:off x="5960705" y="2116495"/>
+            <a:ext cx="5812971" cy="1312505"/>
+          </a:xfrm>
+          <a:prstGeom prst="rect">
+            <a:avLst/>
+          </a:prstGeom>
+        </p:spPr>
+        <p:txBody>
+          <a:bodyPr vert="horz" lIns="91440" tIns="45720" rIns="91440" bIns="45720" rtlCol="0" anchor="b">
+            <a:noAutofit/>
+          </a:bodyPr>
+          <a:lstStyle>
+            <a:lvl1pPr algn="ctr" defTabSz="914400" rtl="0" eaLnBrk="1" latinLnBrk="0" hangingPunct="1">
+              <a:lnSpc>
+                <a:spcPct val="90000"/>
+              </a:lnSpc>
+              <a:spcBef>
+                <a:spcPct val="0"/>
+              </a:spcBef>
+              <a:buNone/>
+              <a:defRPr sz="6000" kern="1200">
+                <a:solidFill>
+                  <a:schemeClr val="tx1"/>
+                </a:solidFill>
+                <a:latin typeface="+mj-lt"/>
+                <a:ea typeface="+mj-ea"/>
+                <a:cs typeface="+mj-cs"/>
+              </a:defRPr>
+            </a:lvl1pPr>
+          </a:lstStyle>
+          <a:p>
+            <a:r>
+              <a:rPr lang="fr-FR" sz="9600" dirty="0">
+                <a:solidFill>
+                  <a:srgbClr val="403CAC"/>
+                </a:solidFill>
+                <a:latin typeface="HorseshoesAndLemonade" pitchFamily="50" charset="0"/>
+              </a:rPr>
+              <a:t>Nuggets</a:t>
+            </a:r>
+          </a:p>
+        </p:txBody>
+      </p:sp>
+      <p:pic>
+        <p:nvPicPr>
+          <p:cNvPr id="9" name="Image 8">
+            <a:extLst>
+              <a:ext uri="{FF2B5EF4-FFF2-40B4-BE49-F238E27FC236}">
+                <a16:creationId xmlns:a16="http://schemas.microsoft.com/office/drawing/2014/main" id="{099BC230-5BEE-F44C-C5FA-B1129EFE6626}"/>
+              </a:ext>
+            </a:extLst>
+          </p:cNvPr>
+          <p:cNvPicPr>
+            <a:picLocks noChangeAspect="1"/>
+          </p:cNvPicPr>
+          <p:nvPr/>
+        </p:nvPicPr>
+        <p:blipFill>
+          <a:blip r:embed="rId2">
+            <a:extLst>
+              <a:ext uri="{28A0092B-C50C-407E-A947-70E740481C1C}">
+                <a14:useLocalDpi xmlns:a14="http://schemas.microsoft.com/office/drawing/2010/main" val="0"/>
+              </a:ext>
+            </a:extLst>
+          </a:blip>
+          <a:stretch>
+            <a:fillRect/>
+          </a:stretch>
+        </p:blipFill>
+        <p:spPr>
+          <a:xfrm>
+            <a:off x="151769" y="0"/>
+            <a:ext cx="4909163" cy="6858000"/>
+          </a:xfrm>
+          <a:prstGeom prst="rect">
+            <a:avLst/>
+          </a:prstGeom>
+        </p:spPr>
+      </p:pic>
+      <p:sp>
+        <p:nvSpPr>
+          <p:cNvPr id="10" name="Titre 1">
+            <a:extLst>
+              <a:ext uri="{FF2B5EF4-FFF2-40B4-BE49-F238E27FC236}">
+                <a16:creationId xmlns:a16="http://schemas.microsoft.com/office/drawing/2014/main" id="{CA4F4442-3A8F-4A56-5D5A-50821B65B719}"/>
+              </a:ext>
+            </a:extLst>
+          </p:cNvPr>
+          <p:cNvSpPr txBox="1">
+            <a:spLocks/>
+          </p:cNvSpPr>
+          <p:nvPr/>
+        </p:nvSpPr>
+        <p:spPr>
+          <a:xfrm>
+            <a:off x="5814526" y="3429000"/>
+            <a:ext cx="5812971" cy="1312505"/>
+          </a:xfrm>
+          <a:prstGeom prst="rect">
+            <a:avLst/>
+          </a:prstGeom>
+        </p:spPr>
+        <p:txBody>
+          <a:bodyPr vert="horz" lIns="91440" tIns="45720" rIns="91440" bIns="45720" rtlCol="0" anchor="b">
+            <a:noAutofit/>
+          </a:bodyPr>
+          <a:lstStyle>
+            <a:lvl1pPr algn="ctr" defTabSz="914400" rtl="0" eaLnBrk="1" latinLnBrk="0" hangingPunct="1">
+              <a:lnSpc>
+                <a:spcPct val="90000"/>
+              </a:lnSpc>
+              <a:spcBef>
+                <a:spcPct val="0"/>
+              </a:spcBef>
+              <a:buNone/>
+              <a:defRPr sz="6000" kern="1200">
+                <a:solidFill>
+                  <a:schemeClr val="tx1"/>
+                </a:solidFill>
+                <a:latin typeface="+mj-lt"/>
+                <a:ea typeface="+mj-ea"/>
+                <a:cs typeface="+mj-cs"/>
+              </a:defRPr>
+            </a:lvl1pPr>
+          </a:lstStyle>
+          <a:p>
+            <a:r>
+              <a:rPr lang="fr-FR" sz="9600" dirty="0">
+                <a:solidFill>
+                  <a:srgbClr val="8BD8F6"/>
+                </a:solidFill>
+                <a:latin typeface="HorseshoesAndLemonade" pitchFamily="50" charset="0"/>
+              </a:rPr>
+              <a:t>Nuggets</a:t>
+            </a:r>
+          </a:p>
+        </p:txBody>
+      </p:sp>
+    </p:spTree>
+    <p:extLst>
+      <p:ext uri="{BB962C8B-B14F-4D97-AF65-F5344CB8AC3E}">
+        <p14:creationId xmlns:p14="http://schemas.microsoft.com/office/powerpoint/2010/main" val="4058331894"/>
+      </p:ext>
+    </p:extLst>
+  </p:cSld>
+  <p:clrMapOvr>
+    <a:masterClrMapping/>
+  </p:clrMapOvr>
+</p:sld>
+</file>
+
 <file path=ppt/theme/theme1.xml><?xml version="1.0" encoding="utf-8"?>
 <a:theme xmlns:a="http://schemas.openxmlformats.org/drawingml/2006/main" name="Thème Office">
   <a:themeElements>
